--- a/用户登录机制.pptx
+++ b/用户登录机制.pptx
@@ -6,10 +6,15 @@
   </p:sldMasterIdLst>
   <p:sldIdLst>
     <p:sldId id="260" r:id="rId2"/>
-    <p:sldId id="256" r:id="rId3"/>
-    <p:sldId id="257" r:id="rId4"/>
-    <p:sldId id="258" r:id="rId5"/>
-    <p:sldId id="259" r:id="rId6"/>
+    <p:sldId id="261" r:id="rId3"/>
+    <p:sldId id="256" r:id="rId4"/>
+    <p:sldId id="257" r:id="rId5"/>
+    <p:sldId id="258" r:id="rId6"/>
+    <p:sldId id="259" r:id="rId7"/>
+    <p:sldId id="262" r:id="rId8"/>
+    <p:sldId id="263" r:id="rId9"/>
+    <p:sldId id="264" r:id="rId10"/>
+    <p:sldId id="265" r:id="rId11"/>
   </p:sldIdLst>
   <p:sldSz cx="12192000" cy="6858000"/>
   <p:notesSz cx="6858000" cy="9144000"/>
@@ -247,7 +252,7 @@
           <a:p>
             <a:fld id="{1F6FB747-71A0-4FD9-A702-B781905F6E58}" type="datetimeFigureOut">
               <a:rPr lang="zh-CN" altLang="en-US" smtClean="0"/>
-              <a:t>2018-11-29</a:t>
+              <a:t>2019-12-23</a:t>
             </a:fld>
             <a:endParaRPr lang="zh-CN" altLang="en-US"/>
           </a:p>
@@ -417,7 +422,7 @@
           <a:p>
             <a:fld id="{1F6FB747-71A0-4FD9-A702-B781905F6E58}" type="datetimeFigureOut">
               <a:rPr lang="zh-CN" altLang="en-US" smtClean="0"/>
-              <a:t>2018-11-29</a:t>
+              <a:t>2019-12-23</a:t>
             </a:fld>
             <a:endParaRPr lang="zh-CN" altLang="en-US"/>
           </a:p>
@@ -597,7 +602,7 @@
           <a:p>
             <a:fld id="{1F6FB747-71A0-4FD9-A702-B781905F6E58}" type="datetimeFigureOut">
               <a:rPr lang="zh-CN" altLang="en-US" smtClean="0"/>
-              <a:t>2018-11-29</a:t>
+              <a:t>2019-12-23</a:t>
             </a:fld>
             <a:endParaRPr lang="zh-CN" altLang="en-US"/>
           </a:p>
@@ -767,7 +772,7 @@
           <a:p>
             <a:fld id="{1F6FB747-71A0-4FD9-A702-B781905F6E58}" type="datetimeFigureOut">
               <a:rPr lang="zh-CN" altLang="en-US" smtClean="0"/>
-              <a:t>2018-11-29</a:t>
+              <a:t>2019-12-23</a:t>
             </a:fld>
             <a:endParaRPr lang="zh-CN" altLang="en-US"/>
           </a:p>
@@ -1013,7 +1018,7 @@
           <a:p>
             <a:fld id="{1F6FB747-71A0-4FD9-A702-B781905F6E58}" type="datetimeFigureOut">
               <a:rPr lang="zh-CN" altLang="en-US" smtClean="0"/>
-              <a:t>2018-11-29</a:t>
+              <a:t>2019-12-23</a:t>
             </a:fld>
             <a:endParaRPr lang="zh-CN" altLang="en-US"/>
           </a:p>
@@ -1245,7 +1250,7 @@
           <a:p>
             <a:fld id="{1F6FB747-71A0-4FD9-A702-B781905F6E58}" type="datetimeFigureOut">
               <a:rPr lang="zh-CN" altLang="en-US" smtClean="0"/>
-              <a:t>2018-11-29</a:t>
+              <a:t>2019-12-23</a:t>
             </a:fld>
             <a:endParaRPr lang="zh-CN" altLang="en-US"/>
           </a:p>
@@ -1612,7 +1617,7 @@
           <a:p>
             <a:fld id="{1F6FB747-71A0-4FD9-A702-B781905F6E58}" type="datetimeFigureOut">
               <a:rPr lang="zh-CN" altLang="en-US" smtClean="0"/>
-              <a:t>2018-11-29</a:t>
+              <a:t>2019-12-23</a:t>
             </a:fld>
             <a:endParaRPr lang="zh-CN" altLang="en-US"/>
           </a:p>
@@ -1730,7 +1735,7 @@
           <a:p>
             <a:fld id="{1F6FB747-71A0-4FD9-A702-B781905F6E58}" type="datetimeFigureOut">
               <a:rPr lang="zh-CN" altLang="en-US" smtClean="0"/>
-              <a:t>2018-11-29</a:t>
+              <a:t>2019-12-23</a:t>
             </a:fld>
             <a:endParaRPr lang="zh-CN" altLang="en-US"/>
           </a:p>
@@ -1825,7 +1830,7 @@
           <a:p>
             <a:fld id="{1F6FB747-71A0-4FD9-A702-B781905F6E58}" type="datetimeFigureOut">
               <a:rPr lang="zh-CN" altLang="en-US" smtClean="0"/>
-              <a:t>2018-11-29</a:t>
+              <a:t>2019-12-23</a:t>
             </a:fld>
             <a:endParaRPr lang="zh-CN" altLang="en-US"/>
           </a:p>
@@ -2102,7 +2107,7 @@
           <a:p>
             <a:fld id="{1F6FB747-71A0-4FD9-A702-B781905F6E58}" type="datetimeFigureOut">
               <a:rPr lang="zh-CN" altLang="en-US" smtClean="0"/>
-              <a:t>2018-11-29</a:t>
+              <a:t>2019-12-23</a:t>
             </a:fld>
             <a:endParaRPr lang="zh-CN" altLang="en-US"/>
           </a:p>
@@ -2355,7 +2360,7 @@
           <a:p>
             <a:fld id="{1F6FB747-71A0-4FD9-A702-B781905F6E58}" type="datetimeFigureOut">
               <a:rPr lang="zh-CN" altLang="en-US" smtClean="0"/>
-              <a:t>2018-11-29</a:t>
+              <a:t>2019-12-23</a:t>
             </a:fld>
             <a:endParaRPr lang="zh-CN" altLang="en-US"/>
           </a:p>
@@ -2568,7 +2573,7 @@
           <a:p>
             <a:fld id="{1F6FB747-71A0-4FD9-A702-B781905F6E58}" type="datetimeFigureOut">
               <a:rPr lang="zh-CN" altLang="en-US" smtClean="0"/>
-              <a:t>2018-11-29</a:t>
+              <a:t>2019-12-23</a:t>
             </a:fld>
             <a:endParaRPr lang="zh-CN" altLang="en-US"/>
           </a:p>
@@ -3130,7 +3135,283 @@
 </p:sld>
 </file>
 
+<file path=ppt/slides/slide10.xml><?xml version="1.0" encoding="utf-8"?>
+<p:sld xmlns:a="http://schemas.openxmlformats.org/drawingml/2006/main" xmlns:r="http://schemas.openxmlformats.org/officeDocument/2006/relationships" xmlns:p="http://schemas.openxmlformats.org/presentationml/2006/main">
+  <p:cSld>
+    <p:spTree>
+      <p:nvGrpSpPr>
+        <p:cNvPr id="1" name=""/>
+        <p:cNvGrpSpPr/>
+        <p:nvPr/>
+      </p:nvGrpSpPr>
+      <p:grpSpPr>
+        <a:xfrm>
+          <a:off x="0" y="0"/>
+          <a:ext cx="0" cy="0"/>
+          <a:chOff x="0" y="0"/>
+          <a:chExt cx="0" cy="0"/>
+        </a:xfrm>
+      </p:grpSpPr>
+      <p:sp>
+        <p:nvSpPr>
+          <p:cNvPr id="2" name="标题 1"/>
+          <p:cNvSpPr>
+            <a:spLocks noGrp="1"/>
+          </p:cNvSpPr>
+          <p:nvPr>
+            <p:ph type="title"/>
+          </p:nvPr>
+        </p:nvSpPr>
+        <p:spPr/>
+        <p:txBody>
+          <a:bodyPr/>
+          <a:lstStyle/>
+          <a:p>
+            <a:r>
+              <a:rPr lang="zh-CN" altLang="en-US" dirty="0" smtClean="0"/>
+              <a:t>用户中心的常见功能：</a:t>
+            </a:r>
+            <a:endParaRPr lang="zh-CN" altLang="en-US" dirty="0"/>
+          </a:p>
+        </p:txBody>
+      </p:sp>
+      <p:sp>
+        <p:nvSpPr>
+          <p:cNvPr id="3" name="内容占位符 2"/>
+          <p:cNvSpPr>
+            <a:spLocks noGrp="1"/>
+          </p:cNvSpPr>
+          <p:nvPr>
+            <p:ph idx="1"/>
+          </p:nvPr>
+        </p:nvSpPr>
+        <p:spPr/>
+        <p:txBody>
+          <a:bodyPr/>
+          <a:lstStyle/>
+          <a:p>
+            <a:r>
+              <a:rPr lang="zh-CN" altLang="en-US" dirty="0"/>
+              <a:t>用户注册</a:t>
+            </a:r>
+            <a:r>
+              <a:rPr lang="en-US" altLang="zh-CN" dirty="0"/>
+              <a:t>/</a:t>
+            </a:r>
+            <a:r>
+              <a:rPr lang="zh-CN" altLang="en-US" dirty="0"/>
+              <a:t>注销</a:t>
+            </a:r>
+            <a:endParaRPr lang="en-US" altLang="zh-CN" dirty="0"/>
+          </a:p>
+          <a:p>
+            <a:r>
+              <a:rPr lang="zh-CN" altLang="en-US" dirty="0"/>
+              <a:t>密码登录</a:t>
+            </a:r>
+            <a:r>
+              <a:rPr lang="en-US" altLang="zh-CN" dirty="0"/>
+              <a:t>/</a:t>
+            </a:r>
+            <a:r>
+              <a:rPr lang="zh-CN" altLang="en-US" dirty="0"/>
+              <a:t>验证码登录</a:t>
+            </a:r>
+            <a:r>
+              <a:rPr lang="en-US" altLang="zh-CN" dirty="0"/>
+              <a:t>/</a:t>
+            </a:r>
+            <a:r>
+              <a:rPr lang="zh-CN" altLang="en-US" dirty="0"/>
+              <a:t>自动登录</a:t>
+            </a:r>
+            <a:r>
+              <a:rPr lang="en-US" altLang="zh-CN" dirty="0"/>
+              <a:t>(token</a:t>
+            </a:r>
+            <a:r>
+              <a:rPr lang="zh-CN" altLang="en-US" dirty="0"/>
+              <a:t>登录</a:t>
+            </a:r>
+            <a:r>
+              <a:rPr lang="en-US" altLang="zh-CN" dirty="0"/>
+              <a:t>)</a:t>
+            </a:r>
+          </a:p>
+          <a:p>
+            <a:r>
+              <a:rPr lang="zh-CN" altLang="en-US" dirty="0"/>
+              <a:t>修改用户资料</a:t>
+            </a:r>
+            <a:r>
+              <a:rPr lang="en-US" altLang="zh-CN" dirty="0"/>
+              <a:t>/</a:t>
+            </a:r>
+            <a:r>
+              <a:rPr lang="zh-CN" altLang="en-US" dirty="0"/>
+              <a:t>获取用户资料</a:t>
+            </a:r>
+            <a:endParaRPr lang="en-US" altLang="zh-CN" dirty="0"/>
+          </a:p>
+          <a:p>
+            <a:r>
+              <a:rPr lang="zh-CN" altLang="en-US" dirty="0" smtClean="0"/>
+              <a:t>设置</a:t>
+            </a:r>
+            <a:r>
+              <a:rPr lang="en-US" altLang="zh-CN" dirty="0" smtClean="0"/>
+              <a:t>/</a:t>
+            </a:r>
+            <a:r>
+              <a:rPr lang="zh-CN" altLang="en-US" dirty="0" smtClean="0"/>
+              <a:t>重置用户密码</a:t>
+            </a:r>
+            <a:endParaRPr lang="en-US" altLang="zh-CN" dirty="0" smtClean="0"/>
+          </a:p>
+          <a:p>
+            <a:r>
+              <a:rPr lang="zh-CN" altLang="en-US" dirty="0" smtClean="0"/>
+              <a:t>支持多终端同时在线</a:t>
+            </a:r>
+            <a:r>
+              <a:rPr lang="en-US" altLang="zh-CN" dirty="0" smtClean="0"/>
+              <a:t>/</a:t>
+            </a:r>
+            <a:r>
+              <a:rPr lang="zh-CN" altLang="en-US" dirty="0" smtClean="0"/>
+              <a:t>支持踢用户下线</a:t>
+            </a:r>
+            <a:r>
+              <a:rPr lang="en-US" altLang="zh-CN" dirty="0" smtClean="0"/>
+              <a:t>/</a:t>
+            </a:r>
+            <a:r>
+              <a:rPr lang="zh-CN" altLang="en-US" dirty="0" smtClean="0"/>
+              <a:t>多终端登录相互提醒</a:t>
+            </a:r>
+            <a:endParaRPr lang="zh-CN" altLang="en-US" dirty="0"/>
+          </a:p>
+          <a:p>
+            <a:endParaRPr lang="zh-CN" altLang="en-US" dirty="0"/>
+          </a:p>
+        </p:txBody>
+      </p:sp>
+    </p:spTree>
+    <p:extLst>
+      <p:ext uri="{BB962C8B-B14F-4D97-AF65-F5344CB8AC3E}">
+        <p14:creationId xmlns:p14="http://schemas.microsoft.com/office/powerpoint/2010/main" val="4282539637"/>
+      </p:ext>
+    </p:extLst>
+  </p:cSld>
+  <p:clrMapOvr>
+    <a:masterClrMapping/>
+  </p:clrMapOvr>
+</p:sld>
+</file>
+
 <file path=ppt/slides/slide2.xml><?xml version="1.0" encoding="utf-8"?>
+<p:sld xmlns:a="http://schemas.openxmlformats.org/drawingml/2006/main" xmlns:r="http://schemas.openxmlformats.org/officeDocument/2006/relationships" xmlns:p="http://schemas.openxmlformats.org/presentationml/2006/main">
+  <p:cSld>
+    <p:spTree>
+      <p:nvGrpSpPr>
+        <p:cNvPr id="1" name=""/>
+        <p:cNvGrpSpPr/>
+        <p:nvPr/>
+      </p:nvGrpSpPr>
+      <p:grpSpPr>
+        <a:xfrm>
+          <a:off x="0" y="0"/>
+          <a:ext cx="0" cy="0"/>
+          <a:chOff x="0" y="0"/>
+          <a:chExt cx="0" cy="0"/>
+        </a:xfrm>
+      </p:grpSpPr>
+      <p:sp>
+        <p:nvSpPr>
+          <p:cNvPr id="2" name="标题 1"/>
+          <p:cNvSpPr>
+            <a:spLocks noGrp="1"/>
+          </p:cNvSpPr>
+          <p:nvPr>
+            <p:ph type="title"/>
+          </p:nvPr>
+        </p:nvSpPr>
+        <p:spPr/>
+        <p:txBody>
+          <a:bodyPr/>
+          <a:lstStyle/>
+          <a:p>
+            <a:r>
+              <a:rPr lang="zh-CN" altLang="en-US" dirty="0" smtClean="0"/>
+              <a:t>常见登录方式</a:t>
+            </a:r>
+            <a:endParaRPr lang="zh-CN" altLang="en-US" dirty="0"/>
+          </a:p>
+        </p:txBody>
+      </p:sp>
+      <p:sp>
+        <p:nvSpPr>
+          <p:cNvPr id="3" name="内容占位符 2"/>
+          <p:cNvSpPr>
+            <a:spLocks noGrp="1"/>
+          </p:cNvSpPr>
+          <p:nvPr>
+            <p:ph idx="1"/>
+          </p:nvPr>
+        </p:nvSpPr>
+        <p:spPr/>
+        <p:txBody>
+          <a:bodyPr/>
+          <a:lstStyle/>
+          <a:p>
+            <a:r>
+              <a:rPr lang="zh-CN" altLang="en-US" dirty="0" smtClean="0"/>
+              <a:t>密码登录</a:t>
+            </a:r>
+            <a:endParaRPr lang="en-US" altLang="zh-CN" dirty="0" smtClean="0"/>
+          </a:p>
+          <a:p>
+            <a:r>
+              <a:rPr lang="zh-CN" altLang="en-US" dirty="0"/>
+              <a:t>验证</a:t>
+            </a:r>
+            <a:r>
+              <a:rPr lang="zh-CN" altLang="en-US" dirty="0" smtClean="0"/>
+              <a:t>码登录</a:t>
+            </a:r>
+            <a:endParaRPr lang="en-US" altLang="zh-CN" dirty="0" smtClean="0"/>
+          </a:p>
+          <a:p>
+            <a:r>
+              <a:rPr lang="en-US" altLang="zh-CN" dirty="0"/>
+              <a:t>t</a:t>
+            </a:r>
+            <a:r>
+              <a:rPr lang="en-US" altLang="zh-CN" dirty="0" smtClean="0"/>
+              <a:t>oken</a:t>
+            </a:r>
+            <a:r>
+              <a:rPr lang="zh-CN" altLang="en-US" dirty="0" smtClean="0"/>
+              <a:t>登录</a:t>
+            </a:r>
+            <a:endParaRPr lang="zh-CN" altLang="en-US" dirty="0"/>
+          </a:p>
+        </p:txBody>
+      </p:sp>
+    </p:spTree>
+    <p:extLst>
+      <p:ext uri="{BB962C8B-B14F-4D97-AF65-F5344CB8AC3E}">
+        <p14:creationId xmlns:p14="http://schemas.microsoft.com/office/powerpoint/2010/main" val="4242575644"/>
+      </p:ext>
+    </p:extLst>
+  </p:cSld>
+  <p:clrMapOvr>
+    <a:masterClrMapping/>
+  </p:clrMapOvr>
+</p:sld>
+</file>
+
+<file path=ppt/slides/slide3.xml><?xml version="1.0" encoding="utf-8"?>
 <p:sld xmlns:a="http://schemas.openxmlformats.org/drawingml/2006/main" xmlns:r="http://schemas.openxmlformats.org/officeDocument/2006/relationships" xmlns:p="http://schemas.openxmlformats.org/presentationml/2006/main">
   <p:cSld>
     <p:spTree>
@@ -3209,7 +3490,7 @@
 </p:sld>
 </file>
 
-<file path=ppt/slides/slide3.xml><?xml version="1.0" encoding="utf-8"?>
+<file path=ppt/slides/slide4.xml><?xml version="1.0" encoding="utf-8"?>
 <p:sld xmlns:a="http://schemas.openxmlformats.org/drawingml/2006/main" xmlns:r="http://schemas.openxmlformats.org/officeDocument/2006/relationships" xmlns:p="http://schemas.openxmlformats.org/presentationml/2006/main">
   <p:cSld>
     <p:spTree>
@@ -3266,11 +3547,27 @@
           <a:p>
             <a:r>
               <a:rPr lang="zh-CN" altLang="en-US" dirty="0" smtClean="0"/>
-              <a:t>将密码</a:t>
-            </a:r>
-            <a:r>
-              <a:rPr lang="en-US" altLang="zh-CN" dirty="0" smtClean="0"/>
-              <a:t>MD5(</a:t>
+              <a:t>用户先调用</a:t>
+            </a:r>
+            <a:r>
+              <a:rPr lang="en-US" altLang="zh-CN" dirty="0" smtClean="0"/>
+              <a:t>{“method”:“</a:t>
+            </a:r>
+            <a:r>
+              <a:rPr lang="en-US" altLang="zh-CN" dirty="0" err="1" smtClean="0"/>
+              <a:t>um_set_passwd</a:t>
+            </a:r>
+            <a:r>
+              <a:rPr lang="en-US" altLang="zh-CN" dirty="0" smtClean="0"/>
+              <a:t>”,</a:t>
+            </a:r>
+            <a:r>
+              <a:rPr lang="en-US" altLang="zh-CN" dirty="0"/>
+              <a:t> </a:t>
+            </a:r>
+            <a:r>
+              <a:rPr lang="en-US" altLang="zh-CN" dirty="0" smtClean="0"/>
+              <a:t>“</a:t>
             </a:r>
             <a:r>
               <a:rPr lang="en-US" altLang="zh-CN" dirty="0" err="1" smtClean="0"/>
@@ -3278,36 +3575,155 @@
             </a:r>
             <a:r>
               <a:rPr lang="en-US" altLang="zh-CN" dirty="0" smtClean="0"/>
+              <a:t>”:“xxx”}</a:t>
+            </a:r>
+            <a:r>
+              <a:rPr lang="zh-CN" altLang="en-US" dirty="0" smtClean="0"/>
+              <a:t>向用户中心设置用户的密码。</a:t>
+            </a:r>
+            <a:r>
+              <a:rPr lang="en-US" altLang="zh-CN" dirty="0" err="1" smtClean="0"/>
+              <a:t>passwd</a:t>
+            </a:r>
+            <a:r>
+              <a:rPr lang="zh-CN" altLang="en-US" dirty="0" smtClean="0"/>
+              <a:t>的明文密码用</a:t>
+            </a:r>
+            <a:r>
+              <a:rPr lang="en-US" altLang="zh-CN" dirty="0" smtClean="0"/>
+              <a:t>md5</a:t>
+            </a:r>
+            <a:r>
+              <a:rPr lang="zh-CN" altLang="en-US" dirty="0" smtClean="0"/>
+              <a:t>加密。用户中心收到该请求后，为每个用户生成一个</a:t>
+            </a:r>
+            <a:r>
+              <a:rPr lang="en-US" altLang="zh-CN" dirty="0" smtClean="0"/>
+              <a:t>6</a:t>
+            </a:r>
+            <a:r>
+              <a:rPr lang="zh-CN" altLang="en-US" dirty="0" smtClean="0"/>
+              <a:t>位的随机盐值，然后再加上</a:t>
+            </a:r>
+            <a:r>
+              <a:rPr lang="en-US" altLang="zh-CN" dirty="0" err="1" smtClean="0"/>
+              <a:t>passwd</a:t>
+            </a:r>
+            <a:r>
+              <a:rPr lang="zh-CN" altLang="en-US" dirty="0" smtClean="0"/>
+              <a:t>字段再进行</a:t>
+            </a:r>
+            <a:r>
+              <a:rPr lang="en-US" altLang="zh-CN" dirty="0" smtClean="0"/>
+              <a:t>md5</a:t>
+            </a:r>
+            <a:r>
+              <a:rPr lang="zh-CN" altLang="en-US" dirty="0" smtClean="0"/>
+              <a:t>哈希得到</a:t>
+            </a:r>
+            <a:r>
+              <a:rPr lang="en-US" altLang="zh-CN" dirty="0" smtClean="0"/>
+              <a:t>salted_md5</a:t>
+            </a:r>
+            <a:r>
+              <a:rPr lang="zh-CN" altLang="en-US" dirty="0" smtClean="0"/>
+              <a:t>，同时将盐值</a:t>
+            </a:r>
+            <a:r>
+              <a:rPr lang="en-US" altLang="zh-CN" dirty="0" smtClean="0"/>
               <a:t>+</a:t>
             </a:r>
             <a:r>
-              <a:rPr lang="zh-CN" altLang="en-US" dirty="0" smtClean="0"/>
-              <a:t>盐</a:t>
-            </a:r>
-            <a:r>
-              <a:rPr lang="en-US" altLang="zh-CN" dirty="0" smtClean="0"/>
-              <a:t>)</a:t>
-            </a:r>
-            <a:r>
-              <a:rPr lang="zh-CN" altLang="en-US" dirty="0" smtClean="0"/>
-              <a:t>后保存，避免被脱库后明文密码被盗</a:t>
+              <a:rPr lang="en-US" altLang="zh-CN" dirty="0"/>
+              <a:t> salted_md5</a:t>
+            </a:r>
+            <a:r>
+              <a:rPr lang="zh-CN" altLang="en-US" dirty="0" smtClean="0"/>
+              <a:t>保存起来。不明文存储密码，而加上盐后</a:t>
+            </a:r>
+            <a:r>
+              <a:rPr lang="en-US" altLang="zh-CN" dirty="0" smtClean="0"/>
+              <a:t>md5</a:t>
+            </a:r>
+            <a:r>
+              <a:rPr lang="zh-CN" altLang="en-US" dirty="0" smtClean="0"/>
+              <a:t>再存储是为了</a:t>
+            </a:r>
+            <a:r>
+              <a:rPr lang="zh-CN" altLang="en-US" dirty="0" smtClean="0"/>
+              <a:t>避免</a:t>
+            </a:r>
+            <a:r>
+              <a:rPr lang="zh-CN" altLang="en-US" dirty="0" smtClean="0"/>
+              <a:t>被脱库后明文密码被</a:t>
+            </a:r>
+            <a:r>
+              <a:rPr lang="zh-CN" altLang="en-US" dirty="0" smtClean="0"/>
+              <a:t>盗</a:t>
+            </a:r>
+            <a:r>
+              <a:rPr lang="en-US" altLang="zh-CN" dirty="0" smtClean="0"/>
+              <a:t>.</a:t>
+            </a:r>
+          </a:p>
+          <a:p>
+            <a:r>
+              <a:rPr lang="zh-CN" altLang="en-US" dirty="0" smtClean="0"/>
+              <a:t>用户再次调用</a:t>
+            </a:r>
+            <a:r>
+              <a:rPr lang="en-US" altLang="zh-CN" dirty="0"/>
+              <a:t>{“method”:“</a:t>
+            </a:r>
+            <a:r>
+              <a:rPr lang="en-US" altLang="zh-CN" dirty="0" err="1" smtClean="0"/>
+              <a:t>um_login_passwd</a:t>
+            </a:r>
+            <a:r>
+              <a:rPr lang="en-US" altLang="zh-CN" dirty="0"/>
+              <a:t>”, “</a:t>
+            </a:r>
+            <a:r>
+              <a:rPr lang="en-US" altLang="zh-CN" dirty="0" err="1"/>
+              <a:t>passwd</a:t>
+            </a:r>
+            <a:r>
+              <a:rPr lang="en-US" altLang="zh-CN" dirty="0"/>
+              <a:t>”:“xxx</a:t>
+            </a:r>
+            <a:r>
+              <a:rPr lang="en-US" altLang="zh-CN" dirty="0" smtClean="0"/>
+              <a:t>”}</a:t>
+            </a:r>
+            <a:r>
+              <a:rPr lang="zh-CN" altLang="en-US" dirty="0" smtClean="0"/>
+              <a:t>登录，用户中心取出盐值，再加上</a:t>
+            </a:r>
+            <a:r>
+              <a:rPr lang="en-US" altLang="zh-CN" dirty="0" err="1" smtClean="0"/>
+              <a:t>passwd</a:t>
+            </a:r>
+            <a:r>
+              <a:rPr lang="zh-CN" altLang="en-US" dirty="0" smtClean="0"/>
+              <a:t>字段进行一次</a:t>
+            </a:r>
+            <a:r>
+              <a:rPr lang="en-US" altLang="zh-CN" dirty="0" smtClean="0"/>
+              <a:t>md5</a:t>
+            </a:r>
+            <a:r>
+              <a:rPr lang="zh-CN" altLang="en-US" dirty="0" smtClean="0"/>
+              <a:t>，跟保存的</a:t>
+            </a:r>
+            <a:r>
+              <a:rPr lang="en-US" altLang="zh-CN" dirty="0" smtClean="0"/>
+              <a:t>salted_md5</a:t>
+            </a:r>
+            <a:r>
+              <a:rPr lang="zh-CN" altLang="en-US" dirty="0" smtClean="0"/>
+              <a:t>比较。如果一样，则表明密码正确。否则登录失败。</a:t>
             </a:r>
             <a:endParaRPr lang="en-US" altLang="zh-CN" dirty="0" smtClean="0"/>
-          </a:p>
-          <a:p>
-            <a:r>
-              <a:rPr lang="zh-CN" altLang="en-US" dirty="0" smtClean="0"/>
-              <a:t>应该针对每一个用户都随机生成一个盐，最好含有特殊字符串，这样子</a:t>
-            </a:r>
-            <a:r>
-              <a:rPr lang="en-US" altLang="zh-CN" dirty="0" smtClean="0"/>
-              <a:t>MD5</a:t>
-            </a:r>
-            <a:r>
-              <a:rPr lang="zh-CN" altLang="en-US" dirty="0" smtClean="0"/>
-              <a:t>就没法暴力逆向反查到明文密码</a:t>
-            </a:r>
-            <a:endParaRPr lang="zh-CN" altLang="en-US" dirty="0"/>
           </a:p>
         </p:txBody>
       </p:sp>
@@ -3324,7 +3740,7 @@
 </p:sld>
 </file>
 
-<file path=ppt/slides/slide4.xml><?xml version="1.0" encoding="utf-8"?>
+<file path=ppt/slides/slide5.xml><?xml version="1.0" encoding="utf-8"?>
 <p:sld xmlns:a="http://schemas.openxmlformats.org/drawingml/2006/main" xmlns:r="http://schemas.openxmlformats.org/officeDocument/2006/relationships" xmlns:p="http://schemas.openxmlformats.org/presentationml/2006/main">
   <p:cSld>
     <p:spTree>
@@ -3403,7 +3819,7 @@
 </p:sld>
 </file>
 
-<file path=ppt/slides/slide5.xml><?xml version="1.0" encoding="utf-8"?>
+<file path=ppt/slides/slide6.xml><?xml version="1.0" encoding="utf-8"?>
 <p:sld xmlns:a="http://schemas.openxmlformats.org/drawingml/2006/main" xmlns:r="http://schemas.openxmlformats.org/officeDocument/2006/relationships" xmlns:p="http://schemas.openxmlformats.org/presentationml/2006/main">
   <p:cSld>
     <p:spTree>
@@ -3455,12 +3871,66 @@
         </p:nvSpPr>
         <p:spPr/>
         <p:txBody>
-          <a:bodyPr/>
-          <a:lstStyle/>
-          <a:p>
-            <a:r>
-              <a:rPr lang="zh-CN" altLang="en-US" dirty="0" smtClean="0"/>
-              <a:t>验证码有存活时间限制，可以通过</a:t>
+          <a:bodyPr>
+            <a:normAutofit fontScale="92500"/>
+          </a:bodyPr>
+          <a:lstStyle/>
+          <a:p>
+            <a:r>
+              <a:rPr lang="en-US" altLang="zh-CN" dirty="0" smtClean="0"/>
+              <a:t>app</a:t>
+            </a:r>
+            <a:r>
+              <a:rPr lang="zh-CN" altLang="en-US" dirty="0" smtClean="0"/>
+              <a:t>先调用</a:t>
+            </a:r>
+            <a:r>
+              <a:rPr lang="en-US" altLang="zh-CN" dirty="0" smtClean="0"/>
+              <a:t>{</a:t>
+            </a:r>
+            <a:r>
+              <a:rPr lang="en-US" altLang="zh-CN" dirty="0" smtClean="0"/>
+              <a:t>“method”:“</a:t>
+            </a:r>
+            <a:r>
+              <a:rPr lang="en-US" altLang="zh-CN" dirty="0" err="1" smtClean="0"/>
+              <a:t>um_get_phone_code</a:t>
+            </a:r>
+            <a:r>
+              <a:rPr lang="en-US" altLang="zh-CN" dirty="0" smtClean="0"/>
+              <a:t>”, “</a:t>
+            </a:r>
+            <a:r>
+              <a:rPr lang="en-US" altLang="zh-CN" dirty="0" err="1" smtClean="0"/>
+              <a:t>phone_num</a:t>
+            </a:r>
+            <a:r>
+              <a:rPr lang="en-US" altLang="zh-CN" dirty="0" smtClean="0"/>
+              <a:t>”, “138000”},</a:t>
+            </a:r>
+            <a:r>
+              <a:rPr lang="zh-CN" altLang="en-US" dirty="0" smtClean="0"/>
+              <a:t>用户中心生成一个</a:t>
+            </a:r>
+            <a:r>
+              <a:rPr lang="en-US" altLang="zh-CN" dirty="0" smtClean="0"/>
+              <a:t>6</a:t>
+            </a:r>
+            <a:r>
+              <a:rPr lang="zh-CN" altLang="en-US" dirty="0" smtClean="0"/>
+              <a:t>位随机数字，然后发通过短信发送给用户手机，同时将该数字用</a:t>
+            </a:r>
+            <a:r>
+              <a:rPr lang="en-US" altLang="zh-CN" dirty="0" err="1" smtClean="0"/>
+              <a:t>hmset</a:t>
+            </a:r>
+            <a:r>
+              <a:rPr lang="en-US" altLang="zh-CN" dirty="0" smtClean="0"/>
+              <a:t> phone_138000  retry  x code y</a:t>
+            </a:r>
+            <a:r>
+              <a:rPr lang="zh-CN" altLang="en-US" dirty="0" smtClean="0"/>
+              <a:t>写入</a:t>
             </a:r>
             <a:r>
               <a:rPr lang="en-US" altLang="zh-CN" dirty="0" err="1" smtClean="0"/>
@@ -3468,51 +3938,103 @@
             </a:r>
             <a:r>
               <a:rPr lang="zh-CN" altLang="en-US" dirty="0" smtClean="0"/>
-              <a:t>设置过期时间来设置</a:t>
+              <a:t>。</a:t>
+            </a:r>
+            <a:r>
+              <a:rPr lang="en-US" altLang="zh-CN" dirty="0" smtClean="0"/>
+              <a:t>code</a:t>
+            </a:r>
+            <a:r>
+              <a:rPr lang="zh-CN" altLang="en-US" dirty="0" smtClean="0"/>
+              <a:t>表示</a:t>
+            </a:r>
+            <a:r>
+              <a:rPr lang="en-US" altLang="zh-CN" dirty="0" smtClean="0"/>
+              <a:t>6</a:t>
+            </a:r>
+            <a:r>
+              <a:rPr lang="zh-CN" altLang="en-US" dirty="0" smtClean="0"/>
+              <a:t>位随机数字，</a:t>
+            </a:r>
+            <a:r>
+              <a:rPr lang="en-US" altLang="zh-CN" dirty="0" smtClean="0"/>
+              <a:t>retry</a:t>
+            </a:r>
+            <a:r>
+              <a:rPr lang="zh-CN" altLang="en-US" dirty="0" smtClean="0"/>
+              <a:t>表示用户尝试验证码登录次数。并对该</a:t>
+            </a:r>
+            <a:r>
+              <a:rPr lang="en-US" altLang="zh-CN" dirty="0" smtClean="0"/>
+              <a:t>phone_138000</a:t>
+            </a:r>
+            <a:r>
+              <a:rPr lang="zh-CN" altLang="en-US" dirty="0" smtClean="0"/>
+              <a:t>设置</a:t>
+            </a:r>
+            <a:r>
+              <a:rPr lang="en-US" altLang="zh-CN" dirty="0" err="1" smtClean="0"/>
+              <a:t>ttl</a:t>
+            </a:r>
+            <a:r>
+              <a:rPr lang="zh-CN" altLang="en-US" dirty="0" smtClean="0"/>
+              <a:t>。</a:t>
             </a:r>
             <a:endParaRPr lang="en-US" altLang="zh-CN" dirty="0" smtClean="0"/>
           </a:p>
           <a:p>
             <a:r>
-              <a:rPr lang="zh-CN" altLang="en-US" dirty="0" smtClean="0"/>
-              <a:t>单个用户特定时间段，例如</a:t>
-            </a:r>
-            <a:r>
-              <a:rPr lang="en-US" altLang="zh-CN" dirty="0" smtClean="0"/>
-              <a:t>(</a:t>
-            </a:r>
-            <a:r>
-              <a:rPr lang="zh-CN" altLang="en-US" dirty="0" smtClean="0"/>
-              <a:t>一天内、</a:t>
-            </a:r>
-            <a:r>
-              <a:rPr lang="en-US" altLang="zh-CN" dirty="0" smtClean="0"/>
-              <a:t>10</a:t>
-            </a:r>
-            <a:r>
-              <a:rPr lang="zh-CN" altLang="en-US" dirty="0" smtClean="0"/>
-              <a:t>分钟</a:t>
-            </a:r>
-            <a:r>
-              <a:rPr lang="en-US" altLang="zh-CN" dirty="0" smtClean="0"/>
-              <a:t>)</a:t>
-            </a:r>
-            <a:r>
-              <a:rPr lang="zh-CN" altLang="en-US" dirty="0" smtClean="0"/>
-              <a:t>内要限制验证码登录的重试次数</a:t>
+              <a:rPr lang="en-US" altLang="zh-CN" dirty="0" smtClean="0"/>
+              <a:t>app</a:t>
+            </a:r>
+            <a:r>
+              <a:rPr lang="zh-CN" altLang="en-US" dirty="0" smtClean="0"/>
+              <a:t>收到短信验证码后，带着该验证码调用</a:t>
+            </a:r>
+            <a:r>
+              <a:rPr lang="en-US" altLang="zh-CN" dirty="0"/>
+              <a:t>{“method”:“</a:t>
+            </a:r>
+            <a:r>
+              <a:rPr lang="en-US" altLang="zh-CN" dirty="0" err="1" smtClean="0"/>
+              <a:t>um_login_phone_code</a:t>
+            </a:r>
+            <a:r>
+              <a:rPr lang="en-US" altLang="zh-CN" dirty="0"/>
+              <a:t>”, </a:t>
+            </a:r>
+            <a:r>
+              <a:rPr lang="en-US" altLang="zh-CN" dirty="0" smtClean="0"/>
+              <a:t>“code”, “xxx”}</a:t>
+            </a:r>
+            <a:r>
+              <a:rPr lang="zh-CN" altLang="en-US" dirty="0" smtClean="0"/>
+              <a:t>请求登录。用户中心取出该用户</a:t>
+            </a:r>
+            <a:r>
+              <a:rPr lang="en-US" altLang="zh-CN" dirty="0" smtClean="0"/>
+              <a:t>code</a:t>
+            </a:r>
+            <a:r>
+              <a:rPr lang="zh-CN" altLang="en-US" dirty="0" smtClean="0"/>
+              <a:t>比对，并查看</a:t>
+            </a:r>
+            <a:r>
+              <a:rPr lang="en-US" altLang="zh-CN" dirty="0" smtClean="0"/>
+              <a:t>retry</a:t>
+            </a:r>
+            <a:r>
+              <a:rPr lang="zh-CN" altLang="en-US" dirty="0" smtClean="0"/>
+              <a:t>次数是否达到上限。如果都满足条件，则登录成功。否则失败。</a:t>
             </a:r>
             <a:endParaRPr lang="en-US" altLang="zh-CN" dirty="0" smtClean="0"/>
           </a:p>
           <a:p>
             <a:r>
-              <a:rPr lang="zh-CN" altLang="en-US" dirty="0"/>
-              <a:t>验证</a:t>
-            </a:r>
-            <a:r>
-              <a:rPr lang="zh-CN" altLang="en-US" dirty="0" smtClean="0"/>
-              <a:t>码随机生成要去重</a:t>
-            </a:r>
-            <a:endParaRPr lang="zh-CN" altLang="en-US" dirty="0"/>
+              <a:rPr lang="zh-CN" altLang="en-US" dirty="0" smtClean="0"/>
+              <a:t>对验证码登录的次数做限制是为了防止恶意登录。当验证登录的次数达到上限后，可以限制用户必须要隔一段时间才能再继续登录。</a:t>
+            </a:r>
+            <a:endParaRPr lang="en-US" altLang="zh-CN" dirty="0" smtClean="0"/>
           </a:p>
         </p:txBody>
       </p:sp>
@@ -3520,6 +4042,332 @@
     <p:extLst>
       <p:ext uri="{BB962C8B-B14F-4D97-AF65-F5344CB8AC3E}">
         <p14:creationId xmlns:p14="http://schemas.microsoft.com/office/powerpoint/2010/main" val="4171163029"/>
+      </p:ext>
+    </p:extLst>
+  </p:cSld>
+  <p:clrMapOvr>
+    <a:masterClrMapping/>
+  </p:clrMapOvr>
+</p:sld>
+</file>
+
+<file path=ppt/slides/slide7.xml><?xml version="1.0" encoding="utf-8"?>
+<p:sld xmlns:a="http://schemas.openxmlformats.org/drawingml/2006/main" xmlns:r="http://schemas.openxmlformats.org/officeDocument/2006/relationships" xmlns:p="http://schemas.openxmlformats.org/presentationml/2006/main">
+  <p:cSld>
+    <p:spTree>
+      <p:nvGrpSpPr>
+        <p:cNvPr id="1" name=""/>
+        <p:cNvGrpSpPr/>
+        <p:nvPr/>
+      </p:nvGrpSpPr>
+      <p:grpSpPr>
+        <a:xfrm>
+          <a:off x="0" y="0"/>
+          <a:ext cx="0" cy="0"/>
+          <a:chOff x="0" y="0"/>
+          <a:chExt cx="0" cy="0"/>
+        </a:xfrm>
+      </p:grpSpPr>
+      <p:sp>
+        <p:nvSpPr>
+          <p:cNvPr id="2" name="标题 1"/>
+          <p:cNvSpPr>
+            <a:spLocks noGrp="1"/>
+          </p:cNvSpPr>
+          <p:nvPr>
+            <p:ph type="title"/>
+          </p:nvPr>
+        </p:nvSpPr>
+        <p:spPr/>
+        <p:txBody>
+          <a:bodyPr/>
+          <a:lstStyle/>
+          <a:p>
+            <a:r>
+              <a:rPr lang="en-US" altLang="zh-CN" dirty="0" smtClean="0"/>
+              <a:t>token</a:t>
+            </a:r>
+            <a:r>
+              <a:rPr lang="zh-CN" altLang="en-US" dirty="0" smtClean="0"/>
+              <a:t>登录：流程</a:t>
+            </a:r>
+            <a:endParaRPr lang="zh-CN" altLang="en-US" dirty="0"/>
+          </a:p>
+        </p:txBody>
+      </p:sp>
+      <p:pic>
+        <p:nvPicPr>
+          <p:cNvPr id="4" name="内容占位符 3"/>
+          <p:cNvPicPr>
+            <a:picLocks noGrp="1" noChangeAspect="1"/>
+          </p:cNvPicPr>
+          <p:nvPr>
+            <p:ph idx="1"/>
+          </p:nvPr>
+        </p:nvPicPr>
+        <p:blipFill>
+          <a:blip r:embed="rId2"/>
+          <a:stretch>
+            <a:fillRect/>
+          </a:stretch>
+        </p:blipFill>
+        <p:spPr>
+          <a:xfrm>
+            <a:off x="2679251" y="1564324"/>
+            <a:ext cx="6833497" cy="5386273"/>
+          </a:xfrm>
+          <a:prstGeom prst="rect">
+            <a:avLst/>
+          </a:prstGeom>
+        </p:spPr>
+      </p:pic>
+    </p:spTree>
+    <p:extLst>
+      <p:ext uri="{BB962C8B-B14F-4D97-AF65-F5344CB8AC3E}">
+        <p14:creationId xmlns:p14="http://schemas.microsoft.com/office/powerpoint/2010/main" val="618142556"/>
+      </p:ext>
+    </p:extLst>
+  </p:cSld>
+  <p:clrMapOvr>
+    <a:masterClrMapping/>
+  </p:clrMapOvr>
+</p:sld>
+</file>
+
+<file path=ppt/slides/slide8.xml><?xml version="1.0" encoding="utf-8"?>
+<p:sld xmlns:a="http://schemas.openxmlformats.org/drawingml/2006/main" xmlns:r="http://schemas.openxmlformats.org/officeDocument/2006/relationships" xmlns:p="http://schemas.openxmlformats.org/presentationml/2006/main">
+  <p:cSld>
+    <p:spTree>
+      <p:nvGrpSpPr>
+        <p:cNvPr id="1" name=""/>
+        <p:cNvGrpSpPr/>
+        <p:nvPr/>
+      </p:nvGrpSpPr>
+      <p:grpSpPr>
+        <a:xfrm>
+          <a:off x="0" y="0"/>
+          <a:ext cx="0" cy="0"/>
+          <a:chOff x="0" y="0"/>
+          <a:chExt cx="0" cy="0"/>
+        </a:xfrm>
+      </p:grpSpPr>
+      <p:sp>
+        <p:nvSpPr>
+          <p:cNvPr id="2" name="标题 1"/>
+          <p:cNvSpPr>
+            <a:spLocks noGrp="1"/>
+          </p:cNvSpPr>
+          <p:nvPr>
+            <p:ph type="title"/>
+          </p:nvPr>
+        </p:nvSpPr>
+        <p:spPr/>
+        <p:txBody>
+          <a:bodyPr/>
+          <a:lstStyle/>
+          <a:p>
+            <a:r>
+              <a:rPr lang="en-US" altLang="zh-CN" dirty="0" smtClean="0"/>
+              <a:t>token</a:t>
+            </a:r>
+            <a:r>
+              <a:rPr lang="zh-CN" altLang="en-US" dirty="0" smtClean="0"/>
+              <a:t>登录：原理</a:t>
+            </a:r>
+            <a:endParaRPr lang="zh-CN" altLang="en-US" dirty="0"/>
+          </a:p>
+        </p:txBody>
+      </p:sp>
+      <p:sp>
+        <p:nvSpPr>
+          <p:cNvPr id="3" name="内容占位符 2"/>
+          <p:cNvSpPr>
+            <a:spLocks noGrp="1"/>
+          </p:cNvSpPr>
+          <p:nvPr>
+            <p:ph idx="1"/>
+          </p:nvPr>
+        </p:nvSpPr>
+        <p:spPr/>
+        <p:txBody>
+          <a:bodyPr/>
+          <a:lstStyle/>
+          <a:p>
+            <a:r>
+              <a:rPr lang="zh-CN" altLang="en-US" dirty="0" smtClean="0"/>
+              <a:t>用户先用密码</a:t>
+            </a:r>
+            <a:r>
+              <a:rPr lang="en-US" altLang="zh-CN" dirty="0" smtClean="0"/>
+              <a:t>/</a:t>
+            </a:r>
+            <a:r>
+              <a:rPr lang="zh-CN" altLang="en-US" dirty="0" smtClean="0"/>
+              <a:t>手机验证码登录，登录成功后，用户中心给</a:t>
+            </a:r>
+            <a:r>
+              <a:rPr lang="en-US" altLang="zh-CN" dirty="0" smtClean="0"/>
+              <a:t>app</a:t>
+            </a:r>
+            <a:r>
+              <a:rPr lang="zh-CN" altLang="en-US" dirty="0" smtClean="0"/>
+              <a:t>返回</a:t>
+            </a:r>
+            <a:r>
+              <a:rPr lang="zh-CN" altLang="en-US" dirty="0"/>
+              <a:t>一</a:t>
+            </a:r>
+            <a:r>
+              <a:rPr lang="zh-CN" altLang="en-US" dirty="0" smtClean="0"/>
+              <a:t>个按照一个规则构造的</a:t>
+            </a:r>
+            <a:r>
+              <a:rPr lang="en-US" altLang="zh-CN" dirty="0" smtClean="0"/>
+              <a:t>token</a:t>
+            </a:r>
+            <a:r>
+              <a:rPr lang="zh-CN" altLang="en-US" dirty="0" smtClean="0"/>
+              <a:t>。</a:t>
+            </a:r>
+            <a:r>
+              <a:rPr lang="en-US" altLang="zh-CN" dirty="0" smtClean="0"/>
+              <a:t>app</a:t>
+            </a:r>
+            <a:r>
+              <a:rPr lang="zh-CN" altLang="en-US" dirty="0" smtClean="0"/>
+              <a:t>将该</a:t>
+            </a:r>
+            <a:r>
+              <a:rPr lang="en-US" altLang="zh-CN" dirty="0" smtClean="0"/>
+              <a:t>token</a:t>
+            </a:r>
+            <a:r>
+              <a:rPr lang="zh-CN" altLang="en-US" dirty="0" smtClean="0"/>
+              <a:t>保存起来。</a:t>
+            </a:r>
+            <a:endParaRPr lang="en-US" altLang="zh-CN" dirty="0" smtClean="0"/>
+          </a:p>
+          <a:p>
+            <a:r>
+              <a:rPr lang="zh-CN" altLang="en-US" dirty="0" smtClean="0"/>
+              <a:t>用户进行自动登陆时，带上保存的</a:t>
+            </a:r>
+            <a:r>
+              <a:rPr lang="en-US" altLang="zh-CN" dirty="0" smtClean="0"/>
+              <a:t>token</a:t>
+            </a:r>
+            <a:r>
+              <a:rPr lang="zh-CN" altLang="en-US" dirty="0" smtClean="0"/>
+              <a:t>。用户中心对该</a:t>
+            </a:r>
+            <a:r>
+              <a:rPr lang="en-US" altLang="zh-CN" dirty="0" smtClean="0"/>
+              <a:t>token</a:t>
+            </a:r>
+            <a:r>
+              <a:rPr lang="zh-CN" altLang="en-US" dirty="0" smtClean="0"/>
+              <a:t>进行校验。如果通过，则给用户返回一个更新的</a:t>
+            </a:r>
+            <a:r>
+              <a:rPr lang="en-US" altLang="zh-CN" dirty="0" smtClean="0"/>
+              <a:t>token</a:t>
+            </a:r>
+            <a:r>
+              <a:rPr lang="zh-CN" altLang="en-US" dirty="0" smtClean="0"/>
+              <a:t>。</a:t>
+            </a:r>
+            <a:endParaRPr lang="en-US" altLang="zh-CN" dirty="0" smtClean="0"/>
+          </a:p>
+        </p:txBody>
+      </p:sp>
+    </p:spTree>
+    <p:extLst>
+      <p:ext uri="{BB962C8B-B14F-4D97-AF65-F5344CB8AC3E}">
+        <p14:creationId xmlns:p14="http://schemas.microsoft.com/office/powerpoint/2010/main" val="3630382109"/>
+      </p:ext>
+    </p:extLst>
+  </p:cSld>
+  <p:clrMapOvr>
+    <a:masterClrMapping/>
+  </p:clrMapOvr>
+</p:sld>
+</file>
+
+<file path=ppt/slides/slide9.xml><?xml version="1.0" encoding="utf-8"?>
+<p:sld xmlns:a="http://schemas.openxmlformats.org/drawingml/2006/main" xmlns:r="http://schemas.openxmlformats.org/officeDocument/2006/relationships" xmlns:p="http://schemas.openxmlformats.org/presentationml/2006/main">
+  <p:cSld>
+    <p:spTree>
+      <p:nvGrpSpPr>
+        <p:cNvPr id="1" name=""/>
+        <p:cNvGrpSpPr/>
+        <p:nvPr/>
+      </p:nvGrpSpPr>
+      <p:grpSpPr>
+        <a:xfrm>
+          <a:off x="0" y="0"/>
+          <a:ext cx="0" cy="0"/>
+          <a:chOff x="0" y="0"/>
+          <a:chExt cx="0" cy="0"/>
+        </a:xfrm>
+      </p:grpSpPr>
+      <p:sp>
+        <p:nvSpPr>
+          <p:cNvPr id="2" name="标题 1"/>
+          <p:cNvSpPr>
+            <a:spLocks noGrp="1"/>
+          </p:cNvSpPr>
+          <p:nvPr>
+            <p:ph type="title"/>
+          </p:nvPr>
+        </p:nvSpPr>
+        <p:spPr/>
+        <p:txBody>
+          <a:bodyPr/>
+          <a:lstStyle/>
+          <a:p>
+            <a:r>
+              <a:rPr lang="en-US" altLang="zh-CN" dirty="0" smtClean="0"/>
+              <a:t>token</a:t>
+            </a:r>
+            <a:r>
+              <a:rPr lang="zh-CN" altLang="en-US" dirty="0" smtClean="0"/>
+              <a:t>登录：</a:t>
+            </a:r>
+            <a:r>
+              <a:rPr lang="en-US" altLang="zh-CN" dirty="0" smtClean="0"/>
+              <a:t>token</a:t>
+            </a:r>
+            <a:r>
+              <a:rPr lang="zh-CN" altLang="en-US" dirty="0" smtClean="0"/>
+              <a:t>的构造技巧</a:t>
+            </a:r>
+            <a:endParaRPr lang="zh-CN" altLang="en-US" dirty="0"/>
+          </a:p>
+        </p:txBody>
+      </p:sp>
+      <p:sp>
+        <p:nvSpPr>
+          <p:cNvPr id="3" name="内容占位符 2"/>
+          <p:cNvSpPr>
+            <a:spLocks noGrp="1"/>
+          </p:cNvSpPr>
+          <p:nvPr>
+            <p:ph idx="1"/>
+          </p:nvPr>
+        </p:nvSpPr>
+        <p:spPr/>
+        <p:txBody>
+          <a:bodyPr/>
+          <a:lstStyle/>
+          <a:p>
+            <a:endParaRPr lang="zh-CN" altLang="en-US"/>
+          </a:p>
+        </p:txBody>
+      </p:sp>
+    </p:spTree>
+    <p:extLst>
+      <p:ext uri="{BB962C8B-B14F-4D97-AF65-F5344CB8AC3E}">
+        <p14:creationId xmlns:p14="http://schemas.microsoft.com/office/powerpoint/2010/main" val="3147946257"/>
       </p:ext>
     </p:extLst>
   </p:cSld>

--- a/用户登录机制.pptx
+++ b/用户登录机制.pptx
@@ -252,7 +252,7 @@
           <a:p>
             <a:fld id="{1F6FB747-71A0-4FD9-A702-B781905F6E58}" type="datetimeFigureOut">
               <a:rPr lang="zh-CN" altLang="en-US" smtClean="0"/>
-              <a:t>2019-12-23</a:t>
+              <a:t>2019/12/23</a:t>
             </a:fld>
             <a:endParaRPr lang="zh-CN" altLang="en-US"/>
           </a:p>
@@ -422,7 +422,7 @@
           <a:p>
             <a:fld id="{1F6FB747-71A0-4FD9-A702-B781905F6E58}" type="datetimeFigureOut">
               <a:rPr lang="zh-CN" altLang="en-US" smtClean="0"/>
-              <a:t>2019-12-23</a:t>
+              <a:t>2019/12/23</a:t>
             </a:fld>
             <a:endParaRPr lang="zh-CN" altLang="en-US"/>
           </a:p>
@@ -602,7 +602,7 @@
           <a:p>
             <a:fld id="{1F6FB747-71A0-4FD9-A702-B781905F6E58}" type="datetimeFigureOut">
               <a:rPr lang="zh-CN" altLang="en-US" smtClean="0"/>
-              <a:t>2019-12-23</a:t>
+              <a:t>2019/12/23</a:t>
             </a:fld>
             <a:endParaRPr lang="zh-CN" altLang="en-US"/>
           </a:p>
@@ -772,7 +772,7 @@
           <a:p>
             <a:fld id="{1F6FB747-71A0-4FD9-A702-B781905F6E58}" type="datetimeFigureOut">
               <a:rPr lang="zh-CN" altLang="en-US" smtClean="0"/>
-              <a:t>2019-12-23</a:t>
+              <a:t>2019/12/23</a:t>
             </a:fld>
             <a:endParaRPr lang="zh-CN" altLang="en-US"/>
           </a:p>
@@ -1018,7 +1018,7 @@
           <a:p>
             <a:fld id="{1F6FB747-71A0-4FD9-A702-B781905F6E58}" type="datetimeFigureOut">
               <a:rPr lang="zh-CN" altLang="en-US" smtClean="0"/>
-              <a:t>2019-12-23</a:t>
+              <a:t>2019/12/23</a:t>
             </a:fld>
             <a:endParaRPr lang="zh-CN" altLang="en-US"/>
           </a:p>
@@ -1250,7 +1250,7 @@
           <a:p>
             <a:fld id="{1F6FB747-71A0-4FD9-A702-B781905F6E58}" type="datetimeFigureOut">
               <a:rPr lang="zh-CN" altLang="en-US" smtClean="0"/>
-              <a:t>2019-12-23</a:t>
+              <a:t>2019/12/23</a:t>
             </a:fld>
             <a:endParaRPr lang="zh-CN" altLang="en-US"/>
           </a:p>
@@ -1617,7 +1617,7 @@
           <a:p>
             <a:fld id="{1F6FB747-71A0-4FD9-A702-B781905F6E58}" type="datetimeFigureOut">
               <a:rPr lang="zh-CN" altLang="en-US" smtClean="0"/>
-              <a:t>2019-12-23</a:t>
+              <a:t>2019/12/23</a:t>
             </a:fld>
             <a:endParaRPr lang="zh-CN" altLang="en-US"/>
           </a:p>
@@ -1735,7 +1735,7 @@
           <a:p>
             <a:fld id="{1F6FB747-71A0-4FD9-A702-B781905F6E58}" type="datetimeFigureOut">
               <a:rPr lang="zh-CN" altLang="en-US" smtClean="0"/>
-              <a:t>2019-12-23</a:t>
+              <a:t>2019/12/23</a:t>
             </a:fld>
             <a:endParaRPr lang="zh-CN" altLang="en-US"/>
           </a:p>
@@ -1830,7 +1830,7 @@
           <a:p>
             <a:fld id="{1F6FB747-71A0-4FD9-A702-B781905F6E58}" type="datetimeFigureOut">
               <a:rPr lang="zh-CN" altLang="en-US" smtClean="0"/>
-              <a:t>2019-12-23</a:t>
+              <a:t>2019/12/23</a:t>
             </a:fld>
             <a:endParaRPr lang="zh-CN" altLang="en-US"/>
           </a:p>
@@ -2107,7 +2107,7 @@
           <a:p>
             <a:fld id="{1F6FB747-71A0-4FD9-A702-B781905F6E58}" type="datetimeFigureOut">
               <a:rPr lang="zh-CN" altLang="en-US" smtClean="0"/>
-              <a:t>2019-12-23</a:t>
+              <a:t>2019/12/23</a:t>
             </a:fld>
             <a:endParaRPr lang="zh-CN" altLang="en-US"/>
           </a:p>
@@ -2360,7 +2360,7 @@
           <a:p>
             <a:fld id="{1F6FB747-71A0-4FD9-A702-B781905F6E58}" type="datetimeFigureOut">
               <a:rPr lang="zh-CN" altLang="en-US" smtClean="0"/>
-              <a:t>2019-12-23</a:t>
+              <a:t>2019/12/23</a:t>
             </a:fld>
             <a:endParaRPr lang="zh-CN" altLang="en-US"/>
           </a:p>
@@ -2573,7 +2573,7 @@
           <a:p>
             <a:fld id="{1F6FB747-71A0-4FD9-A702-B781905F6E58}" type="datetimeFigureOut">
               <a:rPr lang="zh-CN" altLang="en-US" smtClean="0"/>
-              <a:t>2019-12-23</a:t>
+              <a:t>2019/12/23</a:t>
             </a:fld>
             <a:endParaRPr lang="zh-CN" altLang="en-US"/>
           </a:p>
@@ -3647,19 +3647,7 @@
             </a:r>
             <a:r>
               <a:rPr lang="zh-CN" altLang="en-US" dirty="0" smtClean="0"/>
-              <a:t>再存储是为了</a:t>
-            </a:r>
-            <a:r>
-              <a:rPr lang="zh-CN" altLang="en-US" dirty="0" smtClean="0"/>
-              <a:t>避免</a:t>
-            </a:r>
-            <a:r>
-              <a:rPr lang="zh-CN" altLang="en-US" dirty="0" smtClean="0"/>
-              <a:t>被脱库后明文密码被</a:t>
-            </a:r>
-            <a:r>
-              <a:rPr lang="zh-CN" altLang="en-US" dirty="0" smtClean="0"/>
-              <a:t>盗</a:t>
+              <a:t>再存储是为了避免被脱库后明文密码被盗</a:t>
             </a:r>
             <a:r>
               <a:rPr lang="en-US" altLang="zh-CN" dirty="0" smtClean="0"/>
@@ -3886,11 +3874,7 @@
             </a:r>
             <a:r>
               <a:rPr lang="en-US" altLang="zh-CN" dirty="0" smtClean="0"/>
-              <a:t>{</a:t>
-            </a:r>
-            <a:r>
-              <a:rPr lang="en-US" altLang="zh-CN" dirty="0" smtClean="0"/>
-              <a:t>“method”:“</a:t>
+              <a:t>{“method”:“</a:t>
             </a:r>
             <a:r>
               <a:rPr lang="en-US" altLang="zh-CN" dirty="0" err="1" smtClean="0"/>
@@ -4357,10 +4341,244 @@
         </p:nvSpPr>
         <p:spPr/>
         <p:txBody>
-          <a:bodyPr/>
-          <a:lstStyle/>
-          <a:p>
-            <a:endParaRPr lang="zh-CN" altLang="en-US"/>
+          <a:bodyPr>
+            <a:normAutofit fontScale="92500" lnSpcReduction="10000"/>
+          </a:bodyPr>
+          <a:lstStyle/>
+          <a:p>
+            <a:pPr marL="0" indent="0">
+              <a:buNone/>
+            </a:pPr>
+            <a:r>
+              <a:rPr lang="en-US" altLang="zh-CN" sz="2000" dirty="0" smtClean="0"/>
+              <a:t>token</a:t>
+            </a:r>
+            <a:r>
+              <a:rPr lang="zh-CN" altLang="en-US" sz="2000" dirty="0" smtClean="0"/>
+              <a:t>是用户自动登录的凭证，具有有效期。</a:t>
+            </a:r>
+            <a:r>
+              <a:rPr lang="en-US" altLang="zh-CN" sz="2000" dirty="0" smtClean="0"/>
+              <a:t>token</a:t>
+            </a:r>
+            <a:r>
+              <a:rPr lang="zh-CN" altLang="en-US" sz="2000" dirty="0" smtClean="0"/>
+              <a:t>通常是结构化的数据</a:t>
+            </a:r>
+            <a:r>
+              <a:rPr lang="en-US" altLang="zh-CN" sz="2000" dirty="0" smtClean="0"/>
+              <a:t>(</a:t>
+            </a:r>
+            <a:r>
+              <a:rPr lang="zh-CN" altLang="en-US" sz="2000" dirty="0" smtClean="0"/>
+              <a:t>如</a:t>
+            </a:r>
+            <a:r>
+              <a:rPr lang="en-US" altLang="zh-CN" sz="2000" dirty="0" err="1" smtClean="0"/>
+              <a:t>json</a:t>
+            </a:r>
+            <a:r>
+              <a:rPr lang="en-US" altLang="zh-CN" sz="2000" dirty="0" smtClean="0"/>
+              <a:t>)</a:t>
+            </a:r>
+            <a:r>
+              <a:rPr lang="zh-CN" altLang="en-US" sz="2000" dirty="0" smtClean="0"/>
+              <a:t>经过某种方式</a:t>
+            </a:r>
+            <a:r>
+              <a:rPr lang="en-US" altLang="zh-CN" sz="2000" dirty="0" smtClean="0"/>
+              <a:t>(</a:t>
+            </a:r>
+            <a:r>
+              <a:rPr lang="zh-CN" altLang="en-US" sz="2000" dirty="0" smtClean="0"/>
+              <a:t>如</a:t>
+            </a:r>
+            <a:r>
+              <a:rPr lang="en-US" altLang="zh-CN" sz="2000" dirty="0" smtClean="0"/>
+              <a:t>AES)</a:t>
+            </a:r>
+            <a:r>
+              <a:rPr lang="zh-CN" altLang="en-US" sz="2000" dirty="0" smtClean="0"/>
+              <a:t>加密后生成。一般的</a:t>
+            </a:r>
+            <a:r>
+              <a:rPr lang="en-US" altLang="zh-CN" sz="2000" dirty="0" smtClean="0"/>
+              <a:t>token</a:t>
+            </a:r>
+            <a:r>
+              <a:rPr lang="zh-CN" altLang="en-US" sz="2000" dirty="0" smtClean="0"/>
+              <a:t>会包含如下几个信息：</a:t>
+            </a:r>
+            <a:endParaRPr lang="en-US" altLang="zh-CN" sz="2000" dirty="0" smtClean="0"/>
+          </a:p>
+          <a:p>
+            <a:r>
+              <a:rPr lang="en-US" altLang="zh-CN" sz="2000" dirty="0" err="1" smtClean="0"/>
+              <a:t>uid</a:t>
+            </a:r>
+            <a:r>
+              <a:rPr lang="zh-CN" altLang="en-US" sz="2000" dirty="0" smtClean="0"/>
+              <a:t>：用来标记</a:t>
+            </a:r>
+            <a:r>
+              <a:rPr lang="en-US" altLang="zh-CN" sz="2000" dirty="0" smtClean="0"/>
+              <a:t>token</a:t>
+            </a:r>
+            <a:r>
+              <a:rPr lang="zh-CN" altLang="en-US" sz="2000" dirty="0" smtClean="0"/>
+              <a:t>的属主</a:t>
+            </a:r>
+            <a:endParaRPr lang="en-US" altLang="zh-CN" sz="2000" dirty="0" smtClean="0"/>
+          </a:p>
+          <a:p>
+            <a:r>
+              <a:rPr lang="en-US" altLang="zh-CN" sz="2000" dirty="0" err="1" smtClean="0"/>
+              <a:t>phone_num</a:t>
+            </a:r>
+            <a:r>
+              <a:rPr lang="zh-CN" altLang="en-US" sz="2000" dirty="0"/>
+              <a:t>：</a:t>
+            </a:r>
+            <a:r>
+              <a:rPr lang="zh-CN" altLang="en-US" sz="2000" dirty="0" smtClean="0"/>
+              <a:t>这个也是用来标记这个</a:t>
+            </a:r>
+            <a:r>
+              <a:rPr lang="en-US" altLang="zh-CN" sz="2000" dirty="0" smtClean="0"/>
+              <a:t>token</a:t>
+            </a:r>
+            <a:r>
+              <a:rPr lang="zh-CN" altLang="en-US" sz="2000" dirty="0" smtClean="0"/>
+              <a:t>属主</a:t>
+            </a:r>
+            <a:endParaRPr lang="en-US" altLang="zh-CN" sz="2000" dirty="0" smtClean="0"/>
+          </a:p>
+          <a:p>
+            <a:r>
+              <a:rPr lang="en-US" altLang="zh-CN" sz="2000" dirty="0" err="1" smtClean="0"/>
+              <a:t>pwd</a:t>
+            </a:r>
+            <a:r>
+              <a:rPr lang="zh-CN" altLang="en-US" sz="2000" dirty="0" smtClean="0"/>
+              <a:t>：用户的账户密码。当用户更改密码时，需要给用户签发一个新的</a:t>
+            </a:r>
+            <a:r>
+              <a:rPr lang="en-US" altLang="zh-CN" sz="2000" dirty="0" smtClean="0"/>
+              <a:t>token</a:t>
+            </a:r>
+            <a:r>
+              <a:rPr lang="zh-CN" altLang="en-US" sz="2000" smtClean="0"/>
+              <a:t>。</a:t>
+            </a:r>
+            <a:endParaRPr lang="en-US" altLang="zh-CN" sz="2000" dirty="0" smtClean="0"/>
+          </a:p>
+          <a:p>
+            <a:r>
+              <a:rPr lang="en-US" altLang="zh-CN" sz="2000" dirty="0" err="1" smtClean="0"/>
+              <a:t>create_time+expire_time</a:t>
+            </a:r>
+            <a:r>
+              <a:rPr lang="zh-CN" altLang="en-US" sz="2000" dirty="0" smtClean="0"/>
+              <a:t>：用来标记该</a:t>
+            </a:r>
+            <a:r>
+              <a:rPr lang="en-US" altLang="zh-CN" sz="2000" dirty="0" smtClean="0"/>
+              <a:t>token</a:t>
+            </a:r>
+            <a:r>
+              <a:rPr lang="zh-CN" altLang="en-US" sz="2000" dirty="0" smtClean="0"/>
+              <a:t>的生存期</a:t>
+            </a:r>
+            <a:endParaRPr lang="en-US" altLang="zh-CN" sz="2000" dirty="0" smtClean="0"/>
+          </a:p>
+          <a:p>
+            <a:r>
+              <a:rPr lang="en-US" altLang="zh-CN" sz="2000" dirty="0" smtClean="0"/>
+              <a:t>salt</a:t>
+            </a:r>
+            <a:r>
+              <a:rPr lang="zh-CN" altLang="en-US" sz="2000" dirty="0" smtClean="0"/>
+              <a:t>：随机盐值，保证加密后生成的字符串的无规律性。</a:t>
+            </a:r>
+            <a:endParaRPr lang="en-US" altLang="zh-CN" sz="2000" dirty="0" smtClean="0"/>
+          </a:p>
+          <a:p>
+            <a:pPr marL="0" indent="0">
+              <a:buNone/>
+            </a:pPr>
+            <a:r>
+              <a:rPr lang="zh-CN" altLang="en-US" sz="2000" dirty="0"/>
+              <a:t>举</a:t>
+            </a:r>
+            <a:r>
+              <a:rPr lang="zh-CN" altLang="en-US" sz="2000" dirty="0" smtClean="0"/>
+              <a:t>个例子，我们对</a:t>
+            </a:r>
+            <a:r>
+              <a:rPr lang="en-US" altLang="zh-CN" sz="2000" dirty="0" smtClean="0"/>
+              <a:t>{“user_id”:</a:t>
+            </a:r>
+            <a:r>
+              <a:rPr lang="en-US" altLang="zh-CN" sz="2000" dirty="0"/>
+              <a:t>1111</a:t>
+            </a:r>
+            <a:r>
+              <a:rPr lang="en-US" altLang="zh-CN" sz="2000" dirty="0" smtClean="0"/>
+              <a:t>,“phone”:“13842589456”,“pwd”:“adas”,“salt”:“dsfdsfd”,“create_time”:</a:t>
+            </a:r>
+            <a:r>
+              <a:rPr lang="en-US" altLang="zh-CN" sz="2000" dirty="0"/>
+              <a:t>111245445, </a:t>
+            </a:r>
+            <a:r>
+              <a:rPr lang="en-US" altLang="zh-CN" sz="2000" dirty="0" smtClean="0"/>
+              <a:t>“expire_time”:</a:t>
+            </a:r>
+            <a:r>
+              <a:rPr lang="en-US" altLang="zh-CN" sz="2000" dirty="0"/>
+              <a:t>234234324</a:t>
+            </a:r>
+            <a:r>
+              <a:rPr lang="en-US" altLang="zh-CN" sz="2000" dirty="0" smtClean="0"/>
+              <a:t>,“from”:“Server”}</a:t>
+            </a:r>
+            <a:r>
+              <a:rPr lang="zh-CN" altLang="en-US" sz="2000" dirty="0" smtClean="0"/>
+              <a:t>进行</a:t>
+            </a:r>
+            <a:r>
+              <a:rPr lang="en-US" altLang="zh-CN" sz="2000" dirty="0" err="1" smtClean="0"/>
+              <a:t>aes-cbc</a:t>
+            </a:r>
+            <a:r>
+              <a:rPr lang="zh-CN" altLang="en-US" sz="2000" dirty="0" smtClean="0"/>
+              <a:t>后加密，然后再</a:t>
+            </a:r>
+            <a:r>
+              <a:rPr lang="en-US" altLang="zh-CN" sz="2000" dirty="0" smtClean="0"/>
+              <a:t>base64</a:t>
+            </a:r>
+            <a:r>
+              <a:rPr lang="zh-CN" altLang="en-US" sz="2000" dirty="0" smtClean="0"/>
+              <a:t>，便得到了一个用户</a:t>
+            </a:r>
+            <a:r>
+              <a:rPr lang="en-US" altLang="zh-CN" sz="2200" dirty="0" smtClean="0"/>
+              <a:t>token</a:t>
+            </a:r>
+            <a:r>
+              <a:rPr lang="zh-CN" altLang="en-US" sz="2200" dirty="0" smtClean="0"/>
+              <a:t>：</a:t>
+            </a:r>
+            <a:r>
+              <a:rPr lang="en-US" altLang="zh-CN" sz="2200" dirty="0" smtClean="0"/>
+              <a:t>U2FsdGVkX19bxDm6d5fg/5jJJM3ho/arwcu57fo7i9T9bsJFL9hOEMmuUpapm1iZbI+aMb5xH0ZNmLMc6RE4SU5Z6gX0Tn11wAtHLSD9Pi7Rn6A+G1OpFd9g0zWUFUVcaqn45blZ0SPLNHqqxEAz5DGSMptrbW3rnd4NvV6hKXvypARKKPCifpmhYEvFSzmvhEJf7TmSgjdxKOVxGpzTNA</a:t>
+            </a:r>
+            <a:r>
+              <a:rPr lang="en-US" altLang="zh-CN" sz="2200" dirty="0"/>
+              <a:t>==</a:t>
+            </a:r>
+            <a:endParaRPr lang="zh-CN" altLang="en-US" sz="2200" dirty="0"/>
           </a:p>
         </p:txBody>
       </p:sp>
